--- a/presentation/Group_8_Presentation_S&P_Return_Simulation_OK.pptx
+++ b/presentation/Group_8_Presentation_S&P_Return_Simulation_OK.pptx
@@ -1370,7 +1370,7 @@
           <a:p>
             <a:fld id="{46CCF26E-77EB-1040-ABCE-6A4498DB26EB}" type="datetimeFigureOut">
               <a:rPr lang="en-US" smtClean="0"/>
-              <a:t>5/11/2022</a:t>
+              <a:t>5/14/2022</a:t>
             </a:fld>
             <a:endParaRPr lang="en-US"/>
           </a:p>
@@ -1547,7 +1547,7 @@
           <a:p>
             <a:fld id="{CA48354D-0982-9347-A7B4-6E0B0B97D3F2}" type="datetimeFigureOut">
               <a:rPr lang="en-US" smtClean="0"/>
-              <a:t>5/11/2022</a:t>
+              <a:t>5/14/2022</a:t>
             </a:fld>
             <a:endParaRPr lang="en-US"/>
           </a:p>
@@ -36935,7 +36935,7 @@
           <a:p>
             <a:fld id="{4768CE5F-8184-422C-889F-EA478F540337}" type="datetime1">
               <a:rPr lang="en-US" smtClean="0"/>
-              <a:t>5/11/2022</a:t>
+              <a:t>5/14/2022</a:t>
             </a:fld>
             <a:endParaRPr lang="en-US"/>
           </a:p>
@@ -37128,7 +37128,7 @@
           <a:p>
             <a:fld id="{4768CE5F-8184-422C-889F-EA478F540337}" type="datetime1">
               <a:rPr lang="en-US" smtClean="0"/>
-              <a:t>5/11/2022</a:t>
+              <a:t>5/14/2022</a:t>
             </a:fld>
             <a:endParaRPr lang="en-US"/>
           </a:p>
@@ -53137,66 +53137,6 @@
           </p:txBody>
         </p:sp>
       </p:grpSp>
-      <p:pic>
-        <p:nvPicPr>
-          <p:cNvPr id="1026" name="Picture 2">
-            <a:extLst>
-              <a:ext uri="{FF2B5EF4-FFF2-40B4-BE49-F238E27FC236}">
-                <a16:creationId xmlns:a16="http://schemas.microsoft.com/office/drawing/2014/main" id="{0FBEE3E6-DBAB-462D-A5BC-4B54898470DB}"/>
-              </a:ext>
-            </a:extLst>
-          </p:cNvPr>
-          <p:cNvPicPr>
-            <a:picLocks noChangeAspect="1" noChangeArrowheads="1"/>
-          </p:cNvPicPr>
-          <p:nvPr/>
-        </p:nvPicPr>
-        <p:blipFill>
-          <a:blip r:embed="rId2">
-            <a:extLst>
-              <a:ext uri="{28A0092B-C50C-407E-A947-70E740481C1C}">
-                <a14:useLocalDpi xmlns:a14="http://schemas.microsoft.com/office/drawing/2010/main" val="0"/>
-              </a:ext>
-            </a:extLst>
-          </a:blip>
-          <a:srcRect/>
-          <a:stretch>
-            <a:fillRect/>
-          </a:stretch>
-        </p:blipFill>
-        <p:spPr bwMode="auto">
-          <a:xfrm>
-            <a:off x="457200" y="4009778"/>
-            <a:ext cx="9144000" cy="3177182"/>
-          </a:xfrm>
-          <a:prstGeom prst="rect">
-            <a:avLst/>
-          </a:prstGeom>
-          <a:noFill/>
-          <a:ln>
-            <a:noFill/>
-          </a:ln>
-          <a:extLst>
-            <a:ext uri="{909E8E84-426E-40DD-AFC4-6F175D3DCCD1}">
-              <a14:hiddenFill xmlns:a14="http://schemas.microsoft.com/office/drawing/2010/main">
-                <a:solidFill>
-                  <a:srgbClr val="FFFFFF"/>
-                </a:solidFill>
-              </a14:hiddenFill>
-            </a:ext>
-            <a:ext uri="{91240B29-F687-4F45-9708-019B960494DF}">
-              <a14:hiddenLine xmlns:a14="http://schemas.microsoft.com/office/drawing/2010/main" w="9525">
-                <a:solidFill>
-                  <a:srgbClr val="000000"/>
-                </a:solidFill>
-                <a:miter lim="800000"/>
-                <a:headEnd/>
-                <a:tailEnd/>
-              </a14:hiddenLine>
-            </a:ext>
-          </a:extLst>
-        </p:spPr>
-      </p:pic>
       <p:sp>
         <p:nvSpPr>
           <p:cNvPr id="6" name="Title 5">
@@ -53504,58 +53444,36 @@
           </a:p>
         </p:txBody>
       </p:sp>
-      <p:sp>
-        <p:nvSpPr>
-          <p:cNvPr id="4" name="Rectangle 3">
-            <a:extLst>
-              <a:ext uri="{FF2B5EF4-FFF2-40B4-BE49-F238E27FC236}">
-                <a16:creationId xmlns:a16="http://schemas.microsoft.com/office/drawing/2014/main" id="{87C2C1D7-BC68-40FD-9E19-1262232C862B}"/>
-              </a:ext>
-            </a:extLst>
-          </p:cNvPr>
-          <p:cNvSpPr/>
+      <p:pic>
+        <p:nvPicPr>
+          <p:cNvPr id="13" name="Picture 12">
+            <a:extLst>
+              <a:ext uri="{FF2B5EF4-FFF2-40B4-BE49-F238E27FC236}">
+                <a16:creationId xmlns:a16="http://schemas.microsoft.com/office/drawing/2014/main" id="{BE9EE3F6-E9D0-929E-85F2-011FFC27DDFC}"/>
+              </a:ext>
+            </a:extLst>
+          </p:cNvPr>
+          <p:cNvPicPr>
+            <a:picLocks noChangeAspect="1"/>
+          </p:cNvPicPr>
           <p:nvPr/>
-        </p:nvSpPr>
+        </p:nvPicPr>
+        <p:blipFill>
+          <a:blip r:embed="rId2"/>
+          <a:stretch>
+            <a:fillRect/>
+          </a:stretch>
+        </p:blipFill>
         <p:spPr>
           <a:xfrm>
-            <a:off x="457200" y="5351449"/>
-            <a:ext cx="9144000" cy="822960"/>
+            <a:off x="457200" y="4301834"/>
+            <a:ext cx="9144793" cy="2420322"/>
           </a:xfrm>
           <a:prstGeom prst="rect">
             <a:avLst/>
           </a:prstGeom>
-          <a:solidFill>
-            <a:srgbClr val="000000"/>
-          </a:solidFill>
-          <a:ln>
-            <a:noFill/>
-          </a:ln>
         </p:spPr>
-        <p:style>
-          <a:lnRef idx="2">
-            <a:schemeClr val="accent1">
-              <a:shade val="50000"/>
-            </a:schemeClr>
-          </a:lnRef>
-          <a:fillRef idx="1">
-            <a:schemeClr val="accent1"/>
-          </a:fillRef>
-          <a:effectRef idx="0">
-            <a:schemeClr val="accent1"/>
-          </a:effectRef>
-          <a:fontRef idx="minor">
-            <a:schemeClr val="lt1"/>
-          </a:fontRef>
-        </p:style>
-        <p:txBody>
-          <a:bodyPr rtlCol="0" anchor="ctr"/>
-          <a:lstStyle/>
-          <a:p>
-            <a:pPr algn="ctr"/>
-            <a:endParaRPr lang="en-US"/>
-          </a:p>
-        </p:txBody>
-      </p:sp>
+      </p:pic>
     </p:spTree>
     <p:extLst>
       <p:ext uri="{BB962C8B-B14F-4D97-AF65-F5344CB8AC3E}">
@@ -54716,6 +54634,12 @@
 </file>
 
 <file path=customXml/item1.xml><?xml version="1.0" encoding="utf-8"?>
+<p:properties xmlns:p="http://schemas.microsoft.com/office/2006/metadata/properties" xmlns:xsi="http://www.w3.org/2001/XMLSchema-instance" xmlns:pc="http://schemas.microsoft.com/office/infopath/2007/PartnerControls">
+  <documentManagement/>
+</p:properties>
+</file>
+
+<file path=customXml/item2.xml><?xml version="1.0" encoding="utf-8"?>
 <ct:contentTypeSchema xmlns:ct="http://schemas.microsoft.com/office/2006/metadata/contentType" xmlns:ma="http://schemas.microsoft.com/office/2006/metadata/properties/metaAttributes" ct:_="" ma:_="" ma:contentTypeName="Document" ma:contentTypeID="0x010100C8414D51FCB4144BBBBEDBE3BBB6372E" ma:contentTypeVersion="10" ma:contentTypeDescription="Create a new document." ma:contentTypeScope="" ma:versionID="048624091dcfc25097aac4dc8630e1bc">
   <xsd:schema xmlns:xsd="http://www.w3.org/2001/XMLSchema" xmlns:xs="http://www.w3.org/2001/XMLSchema" xmlns:p="http://schemas.microsoft.com/office/2006/metadata/properties" xmlns:ns3="36a9dde8-5c2d-40b2-89df-224c64cf0ac6" targetNamespace="http://schemas.microsoft.com/office/2006/metadata/properties" ma:root="true" ma:fieldsID="da444fe81d1561d06682beac5011bda8" ns3:_="">
     <xsd:import namespace="36a9dde8-5c2d-40b2-89df-224c64cf0ac6"/>
@@ -54899,12 +54823,6 @@
 </ct:contentTypeSchema>
 </file>
 
-<file path=customXml/item2.xml><?xml version="1.0" encoding="utf-8"?>
-<p:properties xmlns:p="http://schemas.microsoft.com/office/2006/metadata/properties" xmlns:xsi="http://www.w3.org/2001/XMLSchema-instance" xmlns:pc="http://schemas.microsoft.com/office/infopath/2007/PartnerControls">
-  <documentManagement/>
-</p:properties>
-</file>
-
 <file path=customXml/item3.xml><?xml version="1.0" encoding="utf-8"?>
 <?mso-contentType ?>
 <FormTemplates xmlns="http://schemas.microsoft.com/sharepoint/v3/contenttype/forms">
@@ -54915,6 +54833,15 @@
 </file>
 
 <file path=customXml/itemProps1.xml><?xml version="1.0" encoding="utf-8"?>
+<ds:datastoreItem xmlns:ds="http://schemas.openxmlformats.org/officeDocument/2006/customXml" ds:itemID="{7A2EE890-5C33-4BA7-8C3F-9DF9D7F2C424}">
+  <ds:schemaRefs>
+    <ds:schemaRef ds:uri="http://schemas.microsoft.com/office/2006/metadata/properties"/>
+    <ds:schemaRef ds:uri="http://schemas.microsoft.com/office/infopath/2007/PartnerControls"/>
+  </ds:schemaRefs>
+</ds:datastoreItem>
+</file>
+
+<file path=customXml/itemProps2.xml><?xml version="1.0" encoding="utf-8"?>
 <ds:datastoreItem xmlns:ds="http://schemas.openxmlformats.org/officeDocument/2006/customXml" ds:itemID="{DE7B54A3-7B68-4308-9ADD-FB3CAA69034D}">
   <ds:schemaRefs>
     <ds:schemaRef ds:uri="http://schemas.microsoft.com/office/2006/metadata/contentType"/>
@@ -54932,15 +54859,6 @@
 </ds:datastoreItem>
 </file>
 
-<file path=customXml/itemProps2.xml><?xml version="1.0" encoding="utf-8"?>
-<ds:datastoreItem xmlns:ds="http://schemas.openxmlformats.org/officeDocument/2006/customXml" ds:itemID="{7A2EE890-5C33-4BA7-8C3F-9DF9D7F2C424}">
-  <ds:schemaRefs>
-    <ds:schemaRef ds:uri="http://schemas.microsoft.com/office/2006/metadata/properties"/>
-    <ds:schemaRef ds:uri="http://schemas.microsoft.com/office/infopath/2007/PartnerControls"/>
-  </ds:schemaRefs>
-</ds:datastoreItem>
-</file>
-
 <file path=customXml/itemProps3.xml><?xml version="1.0" encoding="utf-8"?>
 <ds:datastoreItem xmlns:ds="http://schemas.openxmlformats.org/officeDocument/2006/customXml" ds:itemID="{81E1FAB9-9FAE-436E-9D94-0B2733077966}">
   <ds:schemaRefs>
